--- a/4조 팀공유파일.pptx
+++ b/4조 팀공유파일.pptx
@@ -260,7 +260,7 @@
           <a:p>
             <a:fld id="{62CDE6E4-40B3-4F7C-9D6D-B8196127E727}" type="datetimeFigureOut">
               <a:rPr lang="ko-KR" altLang="en-US" smtClean="0"/>
-              <a:t>2023-12-15</a:t>
+              <a:t>2024-01-08</a:t>
             </a:fld>
             <a:endParaRPr lang="ko-KR" altLang="en-US"/>
           </a:p>
@@ -430,7 +430,7 @@
           <a:p>
             <a:fld id="{62CDE6E4-40B3-4F7C-9D6D-B8196127E727}" type="datetimeFigureOut">
               <a:rPr lang="ko-KR" altLang="en-US" smtClean="0"/>
-              <a:t>2023-12-15</a:t>
+              <a:t>2024-01-08</a:t>
             </a:fld>
             <a:endParaRPr lang="ko-KR" altLang="en-US"/>
           </a:p>
@@ -610,7 +610,7 @@
           <a:p>
             <a:fld id="{62CDE6E4-40B3-4F7C-9D6D-B8196127E727}" type="datetimeFigureOut">
               <a:rPr lang="ko-KR" altLang="en-US" smtClean="0"/>
-              <a:t>2023-12-15</a:t>
+              <a:t>2024-01-08</a:t>
             </a:fld>
             <a:endParaRPr lang="ko-KR" altLang="en-US"/>
           </a:p>
@@ -780,7 +780,7 @@
           <a:p>
             <a:fld id="{62CDE6E4-40B3-4F7C-9D6D-B8196127E727}" type="datetimeFigureOut">
               <a:rPr lang="ko-KR" altLang="en-US" smtClean="0"/>
-              <a:t>2023-12-15</a:t>
+              <a:t>2024-01-08</a:t>
             </a:fld>
             <a:endParaRPr lang="ko-KR" altLang="en-US"/>
           </a:p>
@@ -1026,7 +1026,7 @@
           <a:p>
             <a:fld id="{62CDE6E4-40B3-4F7C-9D6D-B8196127E727}" type="datetimeFigureOut">
               <a:rPr lang="ko-KR" altLang="en-US" smtClean="0"/>
-              <a:t>2023-12-15</a:t>
+              <a:t>2024-01-08</a:t>
             </a:fld>
             <a:endParaRPr lang="ko-KR" altLang="en-US"/>
           </a:p>
@@ -1258,7 +1258,7 @@
           <a:p>
             <a:fld id="{62CDE6E4-40B3-4F7C-9D6D-B8196127E727}" type="datetimeFigureOut">
               <a:rPr lang="ko-KR" altLang="en-US" smtClean="0"/>
-              <a:t>2023-12-15</a:t>
+              <a:t>2024-01-08</a:t>
             </a:fld>
             <a:endParaRPr lang="ko-KR" altLang="en-US"/>
           </a:p>
@@ -1625,7 +1625,7 @@
           <a:p>
             <a:fld id="{62CDE6E4-40B3-4F7C-9D6D-B8196127E727}" type="datetimeFigureOut">
               <a:rPr lang="ko-KR" altLang="en-US" smtClean="0"/>
-              <a:t>2023-12-15</a:t>
+              <a:t>2024-01-08</a:t>
             </a:fld>
             <a:endParaRPr lang="ko-KR" altLang="en-US"/>
           </a:p>
@@ -1743,7 +1743,7 @@
           <a:p>
             <a:fld id="{62CDE6E4-40B3-4F7C-9D6D-B8196127E727}" type="datetimeFigureOut">
               <a:rPr lang="ko-KR" altLang="en-US" smtClean="0"/>
-              <a:t>2023-12-15</a:t>
+              <a:t>2024-01-08</a:t>
             </a:fld>
             <a:endParaRPr lang="ko-KR" altLang="en-US"/>
           </a:p>
@@ -1838,7 +1838,7 @@
           <a:p>
             <a:fld id="{62CDE6E4-40B3-4F7C-9D6D-B8196127E727}" type="datetimeFigureOut">
               <a:rPr lang="ko-KR" altLang="en-US" smtClean="0"/>
-              <a:t>2023-12-15</a:t>
+              <a:t>2024-01-08</a:t>
             </a:fld>
             <a:endParaRPr lang="ko-KR" altLang="en-US"/>
           </a:p>
@@ -2115,7 +2115,7 @@
           <a:p>
             <a:fld id="{62CDE6E4-40B3-4F7C-9D6D-B8196127E727}" type="datetimeFigureOut">
               <a:rPr lang="ko-KR" altLang="en-US" smtClean="0"/>
-              <a:t>2023-12-15</a:t>
+              <a:t>2024-01-08</a:t>
             </a:fld>
             <a:endParaRPr lang="ko-KR" altLang="en-US"/>
           </a:p>
@@ -2368,7 +2368,7 @@
           <a:p>
             <a:fld id="{62CDE6E4-40B3-4F7C-9D6D-B8196127E727}" type="datetimeFigureOut">
               <a:rPr lang="ko-KR" altLang="en-US" smtClean="0"/>
-              <a:t>2023-12-15</a:t>
+              <a:t>2024-01-08</a:t>
             </a:fld>
             <a:endParaRPr lang="ko-KR" altLang="en-US"/>
           </a:p>
@@ -2581,7 +2581,7 @@
           <a:p>
             <a:fld id="{62CDE6E4-40B3-4F7C-9D6D-B8196127E727}" type="datetimeFigureOut">
               <a:rPr lang="ko-KR" altLang="en-US" smtClean="0"/>
-              <a:t>2023-12-15</a:t>
+              <a:t>2024-01-08</a:t>
             </a:fld>
             <a:endParaRPr lang="ko-KR" altLang="en-US"/>
           </a:p>
@@ -8286,7 +8286,6 @@
               <a:rPr lang="ko-KR" altLang="en-US" sz="1000" dirty="0" smtClean="0"/>
               <a:t>분담해서 기능 만들기</a:t>
             </a:r>
-            <a:endParaRPr lang="ko-KR" altLang="en-US" sz="1000" dirty="0" smtClean="0"/>
           </a:p>
           <a:p>
             <a:r>
@@ -10286,21 +10285,831 @@
           <a:chExt cx="0" cy="0"/>
         </a:xfrm>
       </p:grpSpPr>
-      <p:sp>
-        <p:nvSpPr>
-          <p:cNvPr id="4" name="제목 3"/>
-          <p:cNvSpPr>
-            <a:spLocks noGrp="1"/>
-          </p:cNvSpPr>
-          <p:nvPr>
-            <p:ph type="title"/>
-          </p:nvPr>
-        </p:nvSpPr>
-        <p:spPr/>
-        <p:txBody>
-          <a:bodyPr/>
-          <a:lstStyle/>
-          <a:p>
+      <p:pic>
+        <p:nvPicPr>
+          <p:cNvPr id="85" name="그림 84"/>
+          <p:cNvPicPr>
+            <a:picLocks noChangeAspect="1"/>
+          </p:cNvPicPr>
+          <p:nvPr/>
+        </p:nvPicPr>
+        <p:blipFill>
+          <a:blip r:embed="rId2"/>
+          <a:stretch>
+            <a:fillRect/>
+          </a:stretch>
+        </p:blipFill>
+        <p:spPr>
+          <a:xfrm>
+            <a:off x="10804691" y="83127"/>
+            <a:ext cx="668175" cy="911149"/>
+          </a:xfrm>
+          <a:prstGeom prst="rect">
+            <a:avLst/>
+          </a:prstGeom>
+        </p:spPr>
+      </p:pic>
+      <p:sp>
+        <p:nvSpPr>
+          <p:cNvPr id="86" name="직사각형 85"/>
+          <p:cNvSpPr/>
+          <p:nvPr/>
+        </p:nvSpPr>
+        <p:spPr>
+          <a:xfrm>
+            <a:off x="228600" y="207818"/>
+            <a:ext cx="1820487" cy="872837"/>
+          </a:xfrm>
+          <a:prstGeom prst="rect">
+            <a:avLst/>
+          </a:prstGeom>
+          <a:noFill/>
+        </p:spPr>
+        <p:style>
+          <a:lnRef idx="2">
+            <a:schemeClr val="accent1">
+              <a:shade val="50000"/>
+            </a:schemeClr>
+          </a:lnRef>
+          <a:fillRef idx="1">
+            <a:schemeClr val="accent1"/>
+          </a:fillRef>
+          <a:effectRef idx="0">
+            <a:schemeClr val="accent1"/>
+          </a:effectRef>
+          <a:fontRef idx="minor">
+            <a:schemeClr val="lt1"/>
+          </a:fontRef>
+        </p:style>
+        <p:txBody>
+          <a:bodyPr rtlCol="0" anchor="ctr"/>
+          <a:lstStyle/>
+          <a:p>
+            <a:r>
+              <a:rPr lang="en-US" altLang="ko-KR" dirty="0" smtClean="0">
+                <a:solidFill>
+                  <a:schemeClr val="tx1"/>
+                </a:solidFill>
+              </a:rPr>
+              <a:t>   Pet Planet</a:t>
+            </a:r>
+            <a:endParaRPr lang="ko-KR" altLang="en-US" dirty="0"/>
+          </a:p>
+        </p:txBody>
+      </p:sp>
+      <p:sp>
+        <p:nvSpPr>
+          <p:cNvPr id="87" name="직사각형 86"/>
+          <p:cNvSpPr/>
+          <p:nvPr/>
+        </p:nvSpPr>
+        <p:spPr>
+          <a:xfrm>
+            <a:off x="2244436" y="108065"/>
+            <a:ext cx="7838902" cy="972590"/>
+          </a:xfrm>
+          <a:prstGeom prst="rect">
+            <a:avLst/>
+          </a:prstGeom>
+          <a:noFill/>
+        </p:spPr>
+        <p:style>
+          <a:lnRef idx="2">
+            <a:schemeClr val="accent1">
+              <a:shade val="50000"/>
+            </a:schemeClr>
+          </a:lnRef>
+          <a:fillRef idx="1">
+            <a:schemeClr val="accent1"/>
+          </a:fillRef>
+          <a:effectRef idx="0">
+            <a:schemeClr val="accent1"/>
+          </a:effectRef>
+          <a:fontRef idx="minor">
+            <a:schemeClr val="lt1"/>
+          </a:fontRef>
+        </p:style>
+        <p:txBody>
+          <a:bodyPr rtlCol="0" anchor="ctr"/>
+          <a:lstStyle/>
+          <a:p>
+            <a:pPr algn="ctr"/>
+            <a:endParaRPr lang="ko-KR" altLang="en-US"/>
+          </a:p>
+        </p:txBody>
+      </p:sp>
+      <p:sp>
+        <p:nvSpPr>
+          <p:cNvPr id="88" name="직사각형 87"/>
+          <p:cNvSpPr/>
+          <p:nvPr/>
+        </p:nvSpPr>
+        <p:spPr>
+          <a:xfrm>
+            <a:off x="10415570" y="27895"/>
+            <a:ext cx="1446415" cy="997528"/>
+          </a:xfrm>
+          <a:prstGeom prst="rect">
+            <a:avLst/>
+          </a:prstGeom>
+          <a:noFill/>
+        </p:spPr>
+        <p:style>
+          <a:lnRef idx="2">
+            <a:schemeClr val="accent1">
+              <a:shade val="50000"/>
+            </a:schemeClr>
+          </a:lnRef>
+          <a:fillRef idx="1">
+            <a:schemeClr val="accent1"/>
+          </a:fillRef>
+          <a:effectRef idx="0">
+            <a:schemeClr val="accent1"/>
+          </a:effectRef>
+          <a:fontRef idx="minor">
+            <a:schemeClr val="lt1"/>
+          </a:fontRef>
+        </p:style>
+        <p:txBody>
+          <a:bodyPr rtlCol="0" anchor="ctr"/>
+          <a:lstStyle/>
+          <a:p>
+            <a:pPr algn="ctr"/>
+            <a:endParaRPr lang="ko-KR" altLang="en-US" dirty="0"/>
+          </a:p>
+        </p:txBody>
+      </p:sp>
+      <p:sp>
+        <p:nvSpPr>
+          <p:cNvPr id="89" name="직사각형 88"/>
+          <p:cNvSpPr/>
+          <p:nvPr/>
+        </p:nvSpPr>
+        <p:spPr>
+          <a:xfrm>
+            <a:off x="4613564" y="307571"/>
+            <a:ext cx="955963" cy="518961"/>
+          </a:xfrm>
+          <a:prstGeom prst="rect">
+            <a:avLst/>
+          </a:prstGeom>
+        </p:spPr>
+        <p:style>
+          <a:lnRef idx="2">
+            <a:schemeClr val="accent1">
+              <a:shade val="50000"/>
+            </a:schemeClr>
+          </a:lnRef>
+          <a:fillRef idx="1">
+            <a:schemeClr val="accent1"/>
+          </a:fillRef>
+          <a:effectRef idx="0">
+            <a:schemeClr val="accent1"/>
+          </a:effectRef>
+          <a:fontRef idx="minor">
+            <a:schemeClr val="lt1"/>
+          </a:fontRef>
+        </p:style>
+        <p:txBody>
+          <a:bodyPr rtlCol="0" anchor="ctr"/>
+          <a:lstStyle/>
+          <a:p>
+            <a:pPr algn="ctr"/>
+            <a:endParaRPr lang="ko-KR" altLang="en-US"/>
+          </a:p>
+        </p:txBody>
+      </p:sp>
+      <p:sp>
+        <p:nvSpPr>
+          <p:cNvPr id="90" name="직사각형 89"/>
+          <p:cNvSpPr/>
+          <p:nvPr/>
+        </p:nvSpPr>
+        <p:spPr>
+          <a:xfrm>
+            <a:off x="5760720" y="374072"/>
+            <a:ext cx="881149" cy="486296"/>
+          </a:xfrm>
+          <a:prstGeom prst="rect">
+            <a:avLst/>
+          </a:prstGeom>
+        </p:spPr>
+        <p:style>
+          <a:lnRef idx="2">
+            <a:schemeClr val="accent1">
+              <a:shade val="50000"/>
+            </a:schemeClr>
+          </a:lnRef>
+          <a:fillRef idx="1">
+            <a:schemeClr val="accent1"/>
+          </a:fillRef>
+          <a:effectRef idx="0">
+            <a:schemeClr val="accent1"/>
+          </a:effectRef>
+          <a:fontRef idx="minor">
+            <a:schemeClr val="lt1"/>
+          </a:fontRef>
+        </p:style>
+        <p:txBody>
+          <a:bodyPr rtlCol="0" anchor="ctr"/>
+          <a:lstStyle/>
+          <a:p>
+            <a:pPr algn="ctr"/>
+            <a:endParaRPr lang="ko-KR" altLang="en-US"/>
+          </a:p>
+        </p:txBody>
+      </p:sp>
+      <p:sp>
+        <p:nvSpPr>
+          <p:cNvPr id="91" name="직사각형 90"/>
+          <p:cNvSpPr/>
+          <p:nvPr/>
+        </p:nvSpPr>
+        <p:spPr>
+          <a:xfrm>
+            <a:off x="6779029" y="307571"/>
+            <a:ext cx="901931" cy="518961"/>
+          </a:xfrm>
+          <a:prstGeom prst="rect">
+            <a:avLst/>
+          </a:prstGeom>
+        </p:spPr>
+        <p:style>
+          <a:lnRef idx="2">
+            <a:schemeClr val="accent1">
+              <a:shade val="50000"/>
+            </a:schemeClr>
+          </a:lnRef>
+          <a:fillRef idx="1">
+            <a:schemeClr val="accent1"/>
+          </a:fillRef>
+          <a:effectRef idx="0">
+            <a:schemeClr val="accent1"/>
+          </a:effectRef>
+          <a:fontRef idx="minor">
+            <a:schemeClr val="lt1"/>
+          </a:fontRef>
+        </p:style>
+        <p:txBody>
+          <a:bodyPr rtlCol="0" anchor="ctr"/>
+          <a:lstStyle/>
+          <a:p>
+            <a:pPr algn="ctr"/>
+            <a:endParaRPr lang="ko-KR" altLang="en-US"/>
+          </a:p>
+        </p:txBody>
+      </p:sp>
+      <p:sp>
+        <p:nvSpPr>
+          <p:cNvPr id="93" name="직사각형 92"/>
+          <p:cNvSpPr/>
+          <p:nvPr/>
+        </p:nvSpPr>
+        <p:spPr>
+          <a:xfrm>
+            <a:off x="7942811" y="217302"/>
+            <a:ext cx="947651" cy="618714"/>
+          </a:xfrm>
+          <a:prstGeom prst="rect">
+            <a:avLst/>
+          </a:prstGeom>
+        </p:spPr>
+        <p:style>
+          <a:lnRef idx="2">
+            <a:schemeClr val="accent1">
+              <a:shade val="50000"/>
+            </a:schemeClr>
+          </a:lnRef>
+          <a:fillRef idx="1">
+            <a:schemeClr val="accent1"/>
+          </a:fillRef>
+          <a:effectRef idx="0">
+            <a:schemeClr val="accent1"/>
+          </a:effectRef>
+          <a:fontRef idx="minor">
+            <a:schemeClr val="lt1"/>
+          </a:fontRef>
+        </p:style>
+        <p:txBody>
+          <a:bodyPr rtlCol="0" anchor="ctr"/>
+          <a:lstStyle/>
+          <a:p>
+            <a:pPr algn="ctr"/>
+            <a:r>
+              <a:rPr lang="ko-KR" altLang="en-US" sz="1100" dirty="0" smtClean="0"/>
+              <a:t>리뷰</a:t>
+            </a:r>
+            <a:endParaRPr lang="en-US" altLang="ko-KR" sz="1100" dirty="0" smtClean="0"/>
+          </a:p>
+          <a:p>
+            <a:pPr algn="ctr"/>
+            <a:r>
+              <a:rPr lang="en-US" altLang="ko-KR" sz="1100" dirty="0" smtClean="0"/>
+              <a:t>/</a:t>
+            </a:r>
+            <a:r>
+              <a:rPr lang="ko-KR" altLang="en-US" sz="1100" dirty="0" smtClean="0"/>
+              <a:t>동물병원</a:t>
+            </a:r>
+            <a:r>
+              <a:rPr lang="en-US" altLang="ko-KR" sz="1100" dirty="0" smtClean="0"/>
+              <a:t>, </a:t>
+            </a:r>
+            <a:r>
+              <a:rPr lang="ko-KR" altLang="en-US" sz="1100" dirty="0" smtClean="0"/>
+              <a:t>카페 등등</a:t>
+            </a:r>
+            <a:endParaRPr lang="ko-KR" altLang="en-US" sz="1100" dirty="0"/>
+          </a:p>
+        </p:txBody>
+      </p:sp>
+      <p:sp>
+        <p:nvSpPr>
+          <p:cNvPr id="94" name="직사각형 93"/>
+          <p:cNvSpPr/>
+          <p:nvPr/>
+        </p:nvSpPr>
+        <p:spPr>
+          <a:xfrm>
+            <a:off x="9077498" y="307571"/>
+            <a:ext cx="822960" cy="585462"/>
+          </a:xfrm>
+          <a:prstGeom prst="rect">
+            <a:avLst/>
+          </a:prstGeom>
+        </p:spPr>
+        <p:style>
+          <a:lnRef idx="2">
+            <a:schemeClr val="accent1">
+              <a:shade val="50000"/>
+            </a:schemeClr>
+          </a:lnRef>
+          <a:fillRef idx="1">
+            <a:schemeClr val="accent1"/>
+          </a:fillRef>
+          <a:effectRef idx="0">
+            <a:schemeClr val="accent1"/>
+          </a:effectRef>
+          <a:fontRef idx="minor">
+            <a:schemeClr val="lt1"/>
+          </a:fontRef>
+        </p:style>
+        <p:txBody>
+          <a:bodyPr rtlCol="0" anchor="ctr"/>
+          <a:lstStyle/>
+          <a:p>
+            <a:pPr algn="ctr"/>
+            <a:endParaRPr lang="ko-KR" altLang="en-US"/>
+          </a:p>
+        </p:txBody>
+      </p:sp>
+      <p:sp>
+        <p:nvSpPr>
+          <p:cNvPr id="95" name="직사각형 94"/>
+          <p:cNvSpPr/>
+          <p:nvPr/>
+        </p:nvSpPr>
+        <p:spPr>
+          <a:xfrm>
+            <a:off x="3584863" y="374072"/>
+            <a:ext cx="854133" cy="486296"/>
+          </a:xfrm>
+          <a:prstGeom prst="rect">
+            <a:avLst/>
+          </a:prstGeom>
+        </p:spPr>
+        <p:style>
+          <a:lnRef idx="2">
+            <a:schemeClr val="accent1">
+              <a:shade val="50000"/>
+            </a:schemeClr>
+          </a:lnRef>
+          <a:fillRef idx="1">
+            <a:schemeClr val="accent1"/>
+          </a:fillRef>
+          <a:effectRef idx="0">
+            <a:schemeClr val="accent1"/>
+          </a:effectRef>
+          <a:fontRef idx="minor">
+            <a:schemeClr val="lt1"/>
+          </a:fontRef>
+        </p:style>
+        <p:txBody>
+          <a:bodyPr rtlCol="0" anchor="ctr"/>
+          <a:lstStyle/>
+          <a:p>
+            <a:pPr algn="ctr"/>
+            <a:endParaRPr lang="ko-KR" altLang="en-US"/>
+          </a:p>
+        </p:txBody>
+      </p:sp>
+      <p:sp>
+        <p:nvSpPr>
+          <p:cNvPr id="96" name="직사각형 95"/>
+          <p:cNvSpPr/>
+          <p:nvPr/>
+        </p:nvSpPr>
+        <p:spPr>
+          <a:xfrm>
+            <a:off x="2371204" y="307571"/>
+            <a:ext cx="995451" cy="552797"/>
+          </a:xfrm>
+          <a:prstGeom prst="rect">
+            <a:avLst/>
+          </a:prstGeom>
+        </p:spPr>
+        <p:style>
+          <a:lnRef idx="2">
+            <a:schemeClr val="accent1">
+              <a:shade val="50000"/>
+            </a:schemeClr>
+          </a:lnRef>
+          <a:fillRef idx="1">
+            <a:schemeClr val="accent1"/>
+          </a:fillRef>
+          <a:effectRef idx="0">
+            <a:schemeClr val="accent1"/>
+          </a:effectRef>
+          <a:fontRef idx="minor">
+            <a:schemeClr val="lt1"/>
+          </a:fontRef>
+        </p:style>
+        <p:txBody>
+          <a:bodyPr rtlCol="0" anchor="ctr"/>
+          <a:lstStyle/>
+          <a:p>
+            <a:pPr algn="ctr"/>
+            <a:r>
+              <a:rPr lang="ko-KR" altLang="en-US" sz="1400" dirty="0" smtClean="0"/>
+              <a:t>커뮤니티</a:t>
+            </a:r>
+            <a:endParaRPr lang="ko-KR" altLang="en-US" sz="1400" dirty="0"/>
+          </a:p>
+        </p:txBody>
+      </p:sp>
+      <p:sp>
+        <p:nvSpPr>
+          <p:cNvPr id="97" name="직사각형 96"/>
+          <p:cNvSpPr/>
+          <p:nvPr/>
+        </p:nvSpPr>
+        <p:spPr>
+          <a:xfrm>
+            <a:off x="7997067" y="1189892"/>
+            <a:ext cx="2160862" cy="490450"/>
+          </a:xfrm>
+          <a:prstGeom prst="rect">
+            <a:avLst/>
+          </a:prstGeom>
+          <a:noFill/>
+          <a:ln>
+            <a:solidFill>
+              <a:srgbClr val="FF0000"/>
+            </a:solidFill>
+          </a:ln>
+        </p:spPr>
+        <p:style>
+          <a:lnRef idx="2">
+            <a:schemeClr val="accent1">
+              <a:shade val="50000"/>
+            </a:schemeClr>
+          </a:lnRef>
+          <a:fillRef idx="1">
+            <a:schemeClr val="accent1"/>
+          </a:fillRef>
+          <a:effectRef idx="0">
+            <a:schemeClr val="accent1"/>
+          </a:effectRef>
+          <a:fontRef idx="minor">
+            <a:schemeClr val="lt1"/>
+          </a:fontRef>
+        </p:style>
+        <p:txBody>
+          <a:bodyPr rtlCol="0" anchor="ctr"/>
+          <a:lstStyle/>
+          <a:p>
+            <a:pPr algn="ctr"/>
+            <a:r>
+              <a:rPr lang="ko-KR" altLang="en-US" dirty="0" err="1" smtClean="0">
+                <a:solidFill>
+                  <a:schemeClr val="tx1"/>
+                </a:solidFill>
+              </a:rPr>
+              <a:t>채팅방</a:t>
+            </a:r>
+            <a:r>
+              <a:rPr lang="ko-KR" altLang="en-US" dirty="0" smtClean="0">
+                <a:solidFill>
+                  <a:schemeClr val="tx1"/>
+                </a:solidFill>
+              </a:rPr>
+              <a:t> 생성</a:t>
+            </a:r>
+            <a:endParaRPr lang="ko-KR" altLang="en-US" dirty="0">
+              <a:solidFill>
+                <a:schemeClr val="tx1"/>
+              </a:solidFill>
+            </a:endParaRPr>
+          </a:p>
+        </p:txBody>
+      </p:sp>
+      <p:sp>
+        <p:nvSpPr>
+          <p:cNvPr id="2" name="TextBox 1"/>
+          <p:cNvSpPr txBox="1"/>
+          <p:nvPr/>
+        </p:nvSpPr>
+        <p:spPr>
+          <a:xfrm>
+            <a:off x="5091545" y="1656202"/>
+            <a:ext cx="1537854" cy="369332"/>
+          </a:xfrm>
+          <a:prstGeom prst="rect">
+            <a:avLst/>
+          </a:prstGeom>
+          <a:noFill/>
+        </p:spPr>
+        <p:txBody>
+          <a:bodyPr wrap="square" rtlCol="0">
+            <a:spAutoFit/>
+          </a:bodyPr>
+          <a:lstStyle/>
+          <a:p>
+            <a:r>
+              <a:rPr lang="ko-KR" altLang="en-US" smtClean="0"/>
+              <a:t>채팅방</a:t>
+            </a:r>
+            <a:r>
+              <a:rPr lang="ko-KR" altLang="en-US" dirty="0" smtClean="0"/>
+              <a:t> 목록</a:t>
+            </a:r>
+            <a:endParaRPr lang="ko-KR" altLang="en-US" dirty="0"/>
+          </a:p>
+        </p:txBody>
+      </p:sp>
+      <p:sp>
+        <p:nvSpPr>
+          <p:cNvPr id="98" name="사각형 설명선 97"/>
+          <p:cNvSpPr/>
+          <p:nvPr/>
+        </p:nvSpPr>
+        <p:spPr>
+          <a:xfrm>
+            <a:off x="9771661" y="2006137"/>
+            <a:ext cx="2066059" cy="1960618"/>
+          </a:xfrm>
+          <a:prstGeom prst="wedgeRectCallout">
+            <a:avLst>
+              <a:gd name="adj1" fmla="val -76512"/>
+              <a:gd name="adj2" fmla="val -60051"/>
+            </a:avLst>
+          </a:prstGeom>
+          <a:noFill/>
+          <a:ln>
+            <a:solidFill>
+              <a:srgbClr val="FF0000"/>
+            </a:solidFill>
+          </a:ln>
+        </p:spPr>
+        <p:style>
+          <a:lnRef idx="2">
+            <a:schemeClr val="accent1">
+              <a:shade val="50000"/>
+            </a:schemeClr>
+          </a:lnRef>
+          <a:fillRef idx="1">
+            <a:schemeClr val="accent1"/>
+          </a:fillRef>
+          <a:effectRef idx="0">
+            <a:schemeClr val="accent1"/>
+          </a:effectRef>
+          <a:fontRef idx="minor">
+            <a:schemeClr val="lt1"/>
+          </a:fontRef>
+        </p:style>
+        <p:txBody>
+          <a:bodyPr rtlCol="0" anchor="ctr"/>
+          <a:lstStyle/>
+          <a:p>
+            <a:pPr algn="ctr"/>
+            <a:r>
+              <a:rPr lang="ko-KR" altLang="en-US" dirty="0" err="1" smtClean="0">
+                <a:solidFill>
+                  <a:schemeClr val="tx1"/>
+                </a:solidFill>
+              </a:rPr>
+              <a:t>모달</a:t>
+            </a:r>
+            <a:r>
+              <a:rPr lang="ko-KR" altLang="en-US" dirty="0" smtClean="0">
+                <a:solidFill>
+                  <a:schemeClr val="tx1"/>
+                </a:solidFill>
+              </a:rPr>
+              <a:t> 창 구현 해서</a:t>
+            </a:r>
+            <a:r>
+              <a:rPr lang="en-US" altLang="ko-KR" dirty="0" smtClean="0">
+                <a:solidFill>
+                  <a:schemeClr val="tx1"/>
+                </a:solidFill>
+              </a:rPr>
+              <a:t/>
+            </a:r>
+            <a:br>
+              <a:rPr lang="en-US" altLang="ko-KR" dirty="0" smtClean="0">
+                <a:solidFill>
+                  <a:schemeClr val="tx1"/>
+                </a:solidFill>
+              </a:rPr>
+            </a:br>
+            <a:r>
+              <a:rPr lang="ko-KR" altLang="en-US" dirty="0" smtClean="0">
+                <a:solidFill>
+                  <a:schemeClr val="tx1"/>
+                </a:solidFill>
+              </a:rPr>
+              <a:t>방 이름</a:t>
+            </a:r>
+            <a:r>
+              <a:rPr lang="en-US" altLang="ko-KR" dirty="0" smtClean="0">
+                <a:solidFill>
+                  <a:schemeClr val="tx1"/>
+                </a:solidFill>
+              </a:rPr>
+              <a:t>,</a:t>
+            </a:r>
+            <a:br>
+              <a:rPr lang="en-US" altLang="ko-KR" dirty="0" smtClean="0">
+                <a:solidFill>
+                  <a:schemeClr val="tx1"/>
+                </a:solidFill>
+              </a:rPr>
+            </a:br>
+            <a:r>
+              <a:rPr lang="ko-KR" altLang="en-US" dirty="0" smtClean="0">
+                <a:solidFill>
+                  <a:schemeClr val="tx1"/>
+                </a:solidFill>
+              </a:rPr>
+              <a:t>방 비밀번호 등</a:t>
+            </a:r>
+            <a:r>
+              <a:rPr lang="en-US" altLang="ko-KR" dirty="0" smtClean="0">
+                <a:solidFill>
+                  <a:schemeClr val="tx1"/>
+                </a:solidFill>
+              </a:rPr>
+              <a:t/>
+            </a:r>
+            <a:br>
+              <a:rPr lang="en-US" altLang="ko-KR" dirty="0" smtClean="0">
+                <a:solidFill>
+                  <a:schemeClr val="tx1"/>
+                </a:solidFill>
+              </a:rPr>
+            </a:br>
+            <a:r>
+              <a:rPr lang="ko-KR" altLang="en-US" dirty="0" err="1" smtClean="0">
+                <a:solidFill>
+                  <a:schemeClr val="tx1"/>
+                </a:solidFill>
+              </a:rPr>
+              <a:t>생성예정</a:t>
+            </a:r>
+            <a:endParaRPr lang="ko-KR" altLang="en-US" dirty="0">
+              <a:solidFill>
+                <a:schemeClr val="tx1"/>
+              </a:solidFill>
+            </a:endParaRPr>
+          </a:p>
+        </p:txBody>
+      </p:sp>
+      <p:sp>
+        <p:nvSpPr>
+          <p:cNvPr id="99" name="모서리가 둥근 직사각형 98"/>
+          <p:cNvSpPr/>
+          <p:nvPr/>
+        </p:nvSpPr>
+        <p:spPr>
+          <a:xfrm>
+            <a:off x="3050771" y="2385753"/>
+            <a:ext cx="5694218" cy="955963"/>
+          </a:xfrm>
+          <a:prstGeom prst="roundRect">
+            <a:avLst/>
+          </a:prstGeom>
+          <a:solidFill>
+            <a:schemeClr val="bg1"/>
+          </a:solidFill>
+        </p:spPr>
+        <p:style>
+          <a:lnRef idx="2">
+            <a:schemeClr val="accent1">
+              <a:shade val="50000"/>
+            </a:schemeClr>
+          </a:lnRef>
+          <a:fillRef idx="1">
+            <a:schemeClr val="accent1"/>
+          </a:fillRef>
+          <a:effectRef idx="0">
+            <a:schemeClr val="accent1"/>
+          </a:effectRef>
+          <a:fontRef idx="minor">
+            <a:schemeClr val="lt1"/>
+          </a:fontRef>
+        </p:style>
+        <p:txBody>
+          <a:bodyPr rtlCol="0" anchor="ctr"/>
+          <a:lstStyle/>
+          <a:p>
+            <a:pPr algn="ctr"/>
+            <a:endParaRPr lang="ko-KR" altLang="en-US"/>
+          </a:p>
+        </p:txBody>
+      </p:sp>
+      <p:sp>
+        <p:nvSpPr>
+          <p:cNvPr id="101" name="모서리가 둥근 직사각형 100"/>
+          <p:cNvSpPr/>
+          <p:nvPr/>
+        </p:nvSpPr>
+        <p:spPr>
+          <a:xfrm>
+            <a:off x="3050771" y="3701935"/>
+            <a:ext cx="5694218" cy="955963"/>
+          </a:xfrm>
+          <a:prstGeom prst="roundRect">
+            <a:avLst/>
+          </a:prstGeom>
+          <a:solidFill>
+            <a:schemeClr val="bg1"/>
+          </a:solidFill>
+        </p:spPr>
+        <p:style>
+          <a:lnRef idx="2">
+            <a:schemeClr val="accent1">
+              <a:shade val="50000"/>
+            </a:schemeClr>
+          </a:lnRef>
+          <a:fillRef idx="1">
+            <a:schemeClr val="accent1"/>
+          </a:fillRef>
+          <a:effectRef idx="0">
+            <a:schemeClr val="accent1"/>
+          </a:effectRef>
+          <a:fontRef idx="minor">
+            <a:schemeClr val="lt1"/>
+          </a:fontRef>
+        </p:style>
+        <p:txBody>
+          <a:bodyPr rtlCol="0" anchor="ctr"/>
+          <a:lstStyle/>
+          <a:p>
+            <a:pPr algn="ctr"/>
+            <a:endParaRPr lang="ko-KR" altLang="en-US"/>
+          </a:p>
+        </p:txBody>
+      </p:sp>
+      <p:sp>
+        <p:nvSpPr>
+          <p:cNvPr id="102" name="모서리가 둥근 직사각형 101"/>
+          <p:cNvSpPr/>
+          <p:nvPr/>
+        </p:nvSpPr>
+        <p:spPr>
+          <a:xfrm>
+            <a:off x="3050771" y="5018117"/>
+            <a:ext cx="5694218" cy="955963"/>
+          </a:xfrm>
+          <a:prstGeom prst="roundRect">
+            <a:avLst/>
+          </a:prstGeom>
+          <a:solidFill>
+            <a:schemeClr val="bg1"/>
+          </a:solidFill>
+        </p:spPr>
+        <p:style>
+          <a:lnRef idx="2">
+            <a:schemeClr val="accent1">
+              <a:shade val="50000"/>
+            </a:schemeClr>
+          </a:lnRef>
+          <a:fillRef idx="1">
+            <a:schemeClr val="accent1"/>
+          </a:fillRef>
+          <a:effectRef idx="0">
+            <a:schemeClr val="accent1"/>
+          </a:effectRef>
+          <a:fontRef idx="minor">
+            <a:schemeClr val="lt1"/>
+          </a:fontRef>
+        </p:style>
+        <p:txBody>
+          <a:bodyPr rtlCol="0" anchor="ctr"/>
+          <a:lstStyle/>
+          <a:p>
+            <a:pPr algn="ctr"/>
             <a:endParaRPr lang="ko-KR" altLang="en-US"/>
           </a:p>
         </p:txBody>
@@ -10335,40 +11144,1052 @@
           <a:chExt cx="0" cy="0"/>
         </a:xfrm>
       </p:grpSpPr>
-      <p:sp>
-        <p:nvSpPr>
-          <p:cNvPr id="2" name="제목 1"/>
-          <p:cNvSpPr>
-            <a:spLocks noGrp="1"/>
-          </p:cNvSpPr>
-          <p:nvPr>
-            <p:ph type="title"/>
-          </p:nvPr>
-        </p:nvSpPr>
-        <p:spPr/>
-        <p:txBody>
-          <a:bodyPr/>
-          <a:lstStyle/>
-          <a:p>
+      <p:pic>
+        <p:nvPicPr>
+          <p:cNvPr id="20" name="그림 19"/>
+          <p:cNvPicPr>
+            <a:picLocks noChangeAspect="1"/>
+          </p:cNvPicPr>
+          <p:nvPr/>
+        </p:nvPicPr>
+        <p:blipFill>
+          <a:blip r:embed="rId2"/>
+          <a:stretch>
+            <a:fillRect/>
+          </a:stretch>
+        </p:blipFill>
+        <p:spPr>
+          <a:xfrm>
+            <a:off x="10804691" y="83127"/>
+            <a:ext cx="668175" cy="911149"/>
+          </a:xfrm>
+          <a:prstGeom prst="rect">
+            <a:avLst/>
+          </a:prstGeom>
+        </p:spPr>
+      </p:pic>
+      <p:sp>
+        <p:nvSpPr>
+          <p:cNvPr id="21" name="직사각형 20"/>
+          <p:cNvSpPr/>
+          <p:nvPr/>
+        </p:nvSpPr>
+        <p:spPr>
+          <a:xfrm>
+            <a:off x="228600" y="207818"/>
+            <a:ext cx="1820487" cy="872837"/>
+          </a:xfrm>
+          <a:prstGeom prst="rect">
+            <a:avLst/>
+          </a:prstGeom>
+          <a:noFill/>
+        </p:spPr>
+        <p:style>
+          <a:lnRef idx="2">
+            <a:schemeClr val="accent1">
+              <a:shade val="50000"/>
+            </a:schemeClr>
+          </a:lnRef>
+          <a:fillRef idx="1">
+            <a:schemeClr val="accent1"/>
+          </a:fillRef>
+          <a:effectRef idx="0">
+            <a:schemeClr val="accent1"/>
+          </a:effectRef>
+          <a:fontRef idx="minor">
+            <a:schemeClr val="lt1"/>
+          </a:fontRef>
+        </p:style>
+        <p:txBody>
+          <a:bodyPr rtlCol="0" anchor="ctr"/>
+          <a:lstStyle/>
+          <a:p>
+            <a:r>
+              <a:rPr lang="en-US" altLang="ko-KR" dirty="0" smtClean="0">
+                <a:solidFill>
+                  <a:schemeClr val="tx1"/>
+                </a:solidFill>
+              </a:rPr>
+              <a:t>   Pet Planet</a:t>
+            </a:r>
+            <a:endParaRPr lang="ko-KR" altLang="en-US" dirty="0"/>
+          </a:p>
+        </p:txBody>
+      </p:sp>
+      <p:sp>
+        <p:nvSpPr>
+          <p:cNvPr id="22" name="직사각형 21"/>
+          <p:cNvSpPr/>
+          <p:nvPr/>
+        </p:nvSpPr>
+        <p:spPr>
+          <a:xfrm>
+            <a:off x="2244436" y="108065"/>
+            <a:ext cx="7838902" cy="972590"/>
+          </a:xfrm>
+          <a:prstGeom prst="rect">
+            <a:avLst/>
+          </a:prstGeom>
+          <a:noFill/>
+        </p:spPr>
+        <p:style>
+          <a:lnRef idx="2">
+            <a:schemeClr val="accent1">
+              <a:shade val="50000"/>
+            </a:schemeClr>
+          </a:lnRef>
+          <a:fillRef idx="1">
+            <a:schemeClr val="accent1"/>
+          </a:fillRef>
+          <a:effectRef idx="0">
+            <a:schemeClr val="accent1"/>
+          </a:effectRef>
+          <a:fontRef idx="minor">
+            <a:schemeClr val="lt1"/>
+          </a:fontRef>
+        </p:style>
+        <p:txBody>
+          <a:bodyPr rtlCol="0" anchor="ctr"/>
+          <a:lstStyle/>
+          <a:p>
+            <a:pPr algn="ctr"/>
             <a:endParaRPr lang="ko-KR" altLang="en-US"/>
           </a:p>
         </p:txBody>
       </p:sp>
       <p:sp>
         <p:nvSpPr>
-          <p:cNvPr id="3" name="내용 개체 틀 2"/>
-          <p:cNvSpPr>
-            <a:spLocks noGrp="1"/>
-          </p:cNvSpPr>
-          <p:nvPr>
-            <p:ph idx="1"/>
-          </p:nvPr>
-        </p:nvSpPr>
-        <p:spPr/>
-        <p:txBody>
-          <a:bodyPr/>
-          <a:lstStyle/>
-          <a:p>
+          <p:cNvPr id="23" name="직사각형 22"/>
+          <p:cNvSpPr/>
+          <p:nvPr/>
+        </p:nvSpPr>
+        <p:spPr>
+          <a:xfrm>
+            <a:off x="4613564" y="307571"/>
+            <a:ext cx="955963" cy="518961"/>
+          </a:xfrm>
+          <a:prstGeom prst="rect">
+            <a:avLst/>
+          </a:prstGeom>
+        </p:spPr>
+        <p:style>
+          <a:lnRef idx="2">
+            <a:schemeClr val="accent1">
+              <a:shade val="50000"/>
+            </a:schemeClr>
+          </a:lnRef>
+          <a:fillRef idx="1">
+            <a:schemeClr val="accent1"/>
+          </a:fillRef>
+          <a:effectRef idx="0">
+            <a:schemeClr val="accent1"/>
+          </a:effectRef>
+          <a:fontRef idx="minor">
+            <a:schemeClr val="lt1"/>
+          </a:fontRef>
+        </p:style>
+        <p:txBody>
+          <a:bodyPr rtlCol="0" anchor="ctr"/>
+          <a:lstStyle/>
+          <a:p>
+            <a:pPr algn="ctr"/>
+            <a:endParaRPr lang="ko-KR" altLang="en-US"/>
+          </a:p>
+        </p:txBody>
+      </p:sp>
+      <p:sp>
+        <p:nvSpPr>
+          <p:cNvPr id="24" name="직사각형 23"/>
+          <p:cNvSpPr/>
+          <p:nvPr/>
+        </p:nvSpPr>
+        <p:spPr>
+          <a:xfrm>
+            <a:off x="5760720" y="374072"/>
+            <a:ext cx="881149" cy="486296"/>
+          </a:xfrm>
+          <a:prstGeom prst="rect">
+            <a:avLst/>
+          </a:prstGeom>
+        </p:spPr>
+        <p:style>
+          <a:lnRef idx="2">
+            <a:schemeClr val="accent1">
+              <a:shade val="50000"/>
+            </a:schemeClr>
+          </a:lnRef>
+          <a:fillRef idx="1">
+            <a:schemeClr val="accent1"/>
+          </a:fillRef>
+          <a:effectRef idx="0">
+            <a:schemeClr val="accent1"/>
+          </a:effectRef>
+          <a:fontRef idx="minor">
+            <a:schemeClr val="lt1"/>
+          </a:fontRef>
+        </p:style>
+        <p:txBody>
+          <a:bodyPr rtlCol="0" anchor="ctr"/>
+          <a:lstStyle/>
+          <a:p>
+            <a:pPr algn="ctr"/>
+            <a:endParaRPr lang="ko-KR" altLang="en-US"/>
+          </a:p>
+        </p:txBody>
+      </p:sp>
+      <p:sp>
+        <p:nvSpPr>
+          <p:cNvPr id="25" name="직사각형 24"/>
+          <p:cNvSpPr/>
+          <p:nvPr/>
+        </p:nvSpPr>
+        <p:spPr>
+          <a:xfrm>
+            <a:off x="6779029" y="307571"/>
+            <a:ext cx="901931" cy="518961"/>
+          </a:xfrm>
+          <a:prstGeom prst="rect">
+            <a:avLst/>
+          </a:prstGeom>
+        </p:spPr>
+        <p:style>
+          <a:lnRef idx="2">
+            <a:schemeClr val="accent1">
+              <a:shade val="50000"/>
+            </a:schemeClr>
+          </a:lnRef>
+          <a:fillRef idx="1">
+            <a:schemeClr val="accent1"/>
+          </a:fillRef>
+          <a:effectRef idx="0">
+            <a:schemeClr val="accent1"/>
+          </a:effectRef>
+          <a:fontRef idx="minor">
+            <a:schemeClr val="lt1"/>
+          </a:fontRef>
+        </p:style>
+        <p:txBody>
+          <a:bodyPr rtlCol="0" anchor="ctr"/>
+          <a:lstStyle/>
+          <a:p>
+            <a:pPr algn="ctr"/>
+            <a:endParaRPr lang="ko-KR" altLang="en-US"/>
+          </a:p>
+        </p:txBody>
+      </p:sp>
+      <p:sp>
+        <p:nvSpPr>
+          <p:cNvPr id="26" name="직사각형 25"/>
+          <p:cNvSpPr/>
+          <p:nvPr/>
+        </p:nvSpPr>
+        <p:spPr>
+          <a:xfrm>
+            <a:off x="7942811" y="217302"/>
+            <a:ext cx="947651" cy="618714"/>
+          </a:xfrm>
+          <a:prstGeom prst="rect">
+            <a:avLst/>
+          </a:prstGeom>
+        </p:spPr>
+        <p:style>
+          <a:lnRef idx="2">
+            <a:schemeClr val="accent1">
+              <a:shade val="50000"/>
+            </a:schemeClr>
+          </a:lnRef>
+          <a:fillRef idx="1">
+            <a:schemeClr val="accent1"/>
+          </a:fillRef>
+          <a:effectRef idx="0">
+            <a:schemeClr val="accent1"/>
+          </a:effectRef>
+          <a:fontRef idx="minor">
+            <a:schemeClr val="lt1"/>
+          </a:fontRef>
+        </p:style>
+        <p:txBody>
+          <a:bodyPr rtlCol="0" anchor="ctr"/>
+          <a:lstStyle/>
+          <a:p>
+            <a:pPr algn="ctr"/>
+            <a:r>
+              <a:rPr lang="ko-KR" altLang="en-US" sz="1100" dirty="0" smtClean="0"/>
+              <a:t>리뷰</a:t>
+            </a:r>
+            <a:endParaRPr lang="en-US" altLang="ko-KR" sz="1100" dirty="0" smtClean="0"/>
+          </a:p>
+          <a:p>
+            <a:pPr algn="ctr"/>
+            <a:r>
+              <a:rPr lang="en-US" altLang="ko-KR" sz="1100" dirty="0" smtClean="0"/>
+              <a:t>/</a:t>
+            </a:r>
+            <a:r>
+              <a:rPr lang="ko-KR" altLang="en-US" sz="1100" dirty="0" smtClean="0"/>
+              <a:t>동물병원</a:t>
+            </a:r>
+            <a:r>
+              <a:rPr lang="en-US" altLang="ko-KR" sz="1100" dirty="0" smtClean="0"/>
+              <a:t>, </a:t>
+            </a:r>
+            <a:r>
+              <a:rPr lang="ko-KR" altLang="en-US" sz="1100" dirty="0" smtClean="0"/>
+              <a:t>카페 등등</a:t>
+            </a:r>
+            <a:endParaRPr lang="ko-KR" altLang="en-US" sz="1100" dirty="0"/>
+          </a:p>
+        </p:txBody>
+      </p:sp>
+      <p:sp>
+        <p:nvSpPr>
+          <p:cNvPr id="27" name="직사각형 26"/>
+          <p:cNvSpPr/>
+          <p:nvPr/>
+        </p:nvSpPr>
+        <p:spPr>
+          <a:xfrm>
+            <a:off x="9077498" y="307571"/>
+            <a:ext cx="822960" cy="585462"/>
+          </a:xfrm>
+          <a:prstGeom prst="rect">
+            <a:avLst/>
+          </a:prstGeom>
+        </p:spPr>
+        <p:style>
+          <a:lnRef idx="2">
+            <a:schemeClr val="accent1">
+              <a:shade val="50000"/>
+            </a:schemeClr>
+          </a:lnRef>
+          <a:fillRef idx="1">
+            <a:schemeClr val="accent1"/>
+          </a:fillRef>
+          <a:effectRef idx="0">
+            <a:schemeClr val="accent1"/>
+          </a:effectRef>
+          <a:fontRef idx="minor">
+            <a:schemeClr val="lt1"/>
+          </a:fontRef>
+        </p:style>
+        <p:txBody>
+          <a:bodyPr rtlCol="0" anchor="ctr"/>
+          <a:lstStyle/>
+          <a:p>
+            <a:pPr algn="ctr"/>
+            <a:endParaRPr lang="ko-KR" altLang="en-US"/>
+          </a:p>
+        </p:txBody>
+      </p:sp>
+      <p:sp>
+        <p:nvSpPr>
+          <p:cNvPr id="28" name="직사각형 27"/>
+          <p:cNvSpPr/>
+          <p:nvPr/>
+        </p:nvSpPr>
+        <p:spPr>
+          <a:xfrm>
+            <a:off x="3584863" y="374072"/>
+            <a:ext cx="854133" cy="486296"/>
+          </a:xfrm>
+          <a:prstGeom prst="rect">
+            <a:avLst/>
+          </a:prstGeom>
+        </p:spPr>
+        <p:style>
+          <a:lnRef idx="2">
+            <a:schemeClr val="accent1">
+              <a:shade val="50000"/>
+            </a:schemeClr>
+          </a:lnRef>
+          <a:fillRef idx="1">
+            <a:schemeClr val="accent1"/>
+          </a:fillRef>
+          <a:effectRef idx="0">
+            <a:schemeClr val="accent1"/>
+          </a:effectRef>
+          <a:fontRef idx="minor">
+            <a:schemeClr val="lt1"/>
+          </a:fontRef>
+        </p:style>
+        <p:txBody>
+          <a:bodyPr rtlCol="0" anchor="ctr"/>
+          <a:lstStyle/>
+          <a:p>
+            <a:pPr algn="ctr"/>
+            <a:endParaRPr lang="ko-KR" altLang="en-US"/>
+          </a:p>
+        </p:txBody>
+      </p:sp>
+      <p:sp>
+        <p:nvSpPr>
+          <p:cNvPr id="29" name="직사각형 28"/>
+          <p:cNvSpPr/>
+          <p:nvPr/>
+        </p:nvSpPr>
+        <p:spPr>
+          <a:xfrm>
+            <a:off x="2371204" y="307571"/>
+            <a:ext cx="995451" cy="552797"/>
+          </a:xfrm>
+          <a:prstGeom prst="rect">
+            <a:avLst/>
+          </a:prstGeom>
+        </p:spPr>
+        <p:style>
+          <a:lnRef idx="2">
+            <a:schemeClr val="accent1">
+              <a:shade val="50000"/>
+            </a:schemeClr>
+          </a:lnRef>
+          <a:fillRef idx="1">
+            <a:schemeClr val="accent1"/>
+          </a:fillRef>
+          <a:effectRef idx="0">
+            <a:schemeClr val="accent1"/>
+          </a:effectRef>
+          <a:fontRef idx="minor">
+            <a:schemeClr val="lt1"/>
+          </a:fontRef>
+        </p:style>
+        <p:txBody>
+          <a:bodyPr rtlCol="0" anchor="ctr"/>
+          <a:lstStyle/>
+          <a:p>
+            <a:pPr algn="ctr"/>
+            <a:r>
+              <a:rPr lang="ko-KR" altLang="en-US" sz="1400" dirty="0" smtClean="0"/>
+              <a:t>커뮤니티</a:t>
+            </a:r>
+            <a:endParaRPr lang="ko-KR" altLang="en-US" sz="1400" dirty="0"/>
+          </a:p>
+        </p:txBody>
+      </p:sp>
+      <p:sp>
+        <p:nvSpPr>
+          <p:cNvPr id="33" name="모서리가 둥근 직사각형 32"/>
+          <p:cNvSpPr/>
+          <p:nvPr/>
+        </p:nvSpPr>
+        <p:spPr>
+          <a:xfrm>
+            <a:off x="1986742" y="1862052"/>
+            <a:ext cx="5694218" cy="4089862"/>
+          </a:xfrm>
+          <a:prstGeom prst="roundRect">
+            <a:avLst/>
+          </a:prstGeom>
+          <a:solidFill>
+            <a:schemeClr val="bg1"/>
+          </a:solidFill>
+        </p:spPr>
+        <p:style>
+          <a:lnRef idx="2">
+            <a:schemeClr val="accent1">
+              <a:shade val="50000"/>
+            </a:schemeClr>
+          </a:lnRef>
+          <a:fillRef idx="1">
+            <a:schemeClr val="accent1"/>
+          </a:fillRef>
+          <a:effectRef idx="0">
+            <a:schemeClr val="accent1"/>
+          </a:effectRef>
+          <a:fontRef idx="minor">
+            <a:schemeClr val="lt1"/>
+          </a:fontRef>
+        </p:style>
+        <p:txBody>
+          <a:bodyPr rtlCol="0" anchor="ctr"/>
+          <a:lstStyle/>
+          <a:p>
+            <a:pPr algn="ctr"/>
+            <a:endParaRPr lang="ko-KR" altLang="en-US"/>
+          </a:p>
+        </p:txBody>
+      </p:sp>
+      <p:sp>
+        <p:nvSpPr>
+          <p:cNvPr id="37" name="직사각형 36"/>
+          <p:cNvSpPr/>
+          <p:nvPr/>
+        </p:nvSpPr>
+        <p:spPr>
+          <a:xfrm>
+            <a:off x="1986742" y="5353396"/>
+            <a:ext cx="5694218" cy="598518"/>
+          </a:xfrm>
+          <a:prstGeom prst="rect">
+            <a:avLst/>
+          </a:prstGeom>
+          <a:solidFill>
+            <a:schemeClr val="bg1"/>
+          </a:solidFill>
+        </p:spPr>
+        <p:style>
+          <a:lnRef idx="2">
+            <a:schemeClr val="accent1">
+              <a:shade val="50000"/>
+            </a:schemeClr>
+          </a:lnRef>
+          <a:fillRef idx="1">
+            <a:schemeClr val="accent1"/>
+          </a:fillRef>
+          <a:effectRef idx="0">
+            <a:schemeClr val="accent1"/>
+          </a:effectRef>
+          <a:fontRef idx="minor">
+            <a:schemeClr val="lt1"/>
+          </a:fontRef>
+        </p:style>
+        <p:txBody>
+          <a:bodyPr rtlCol="0" anchor="ctr"/>
+          <a:lstStyle/>
+          <a:p>
+            <a:pPr algn="ctr"/>
+            <a:endParaRPr lang="ko-KR" altLang="en-US" dirty="0"/>
+          </a:p>
+        </p:txBody>
+      </p:sp>
+      <p:sp>
+        <p:nvSpPr>
+          <p:cNvPr id="38" name="직사각형 37"/>
+          <p:cNvSpPr/>
+          <p:nvPr/>
+        </p:nvSpPr>
+        <p:spPr>
+          <a:xfrm>
+            <a:off x="6612774" y="5353396"/>
+            <a:ext cx="1068186" cy="598518"/>
+          </a:xfrm>
+          <a:prstGeom prst="rect">
+            <a:avLst/>
+          </a:prstGeom>
+          <a:solidFill>
+            <a:schemeClr val="tx2">
+              <a:lumMod val="20000"/>
+              <a:lumOff val="80000"/>
+            </a:schemeClr>
+          </a:solidFill>
+        </p:spPr>
+        <p:style>
+          <a:lnRef idx="2">
+            <a:schemeClr val="accent1">
+              <a:shade val="50000"/>
+            </a:schemeClr>
+          </a:lnRef>
+          <a:fillRef idx="1">
+            <a:schemeClr val="accent1"/>
+          </a:fillRef>
+          <a:effectRef idx="0">
+            <a:schemeClr val="accent1"/>
+          </a:effectRef>
+          <a:fontRef idx="minor">
+            <a:schemeClr val="lt1"/>
+          </a:fontRef>
+        </p:style>
+        <p:txBody>
+          <a:bodyPr rtlCol="0" anchor="ctr"/>
+          <a:lstStyle/>
+          <a:p>
+            <a:pPr algn="ctr"/>
+            <a:r>
+              <a:rPr lang="ko-KR" altLang="en-US" dirty="0" smtClean="0"/>
+              <a:t>입력</a:t>
+            </a:r>
+            <a:endParaRPr lang="ko-KR" altLang="en-US" dirty="0"/>
+          </a:p>
+        </p:txBody>
+      </p:sp>
+      <p:sp>
+        <p:nvSpPr>
+          <p:cNvPr id="39" name="TextBox 38"/>
+          <p:cNvSpPr txBox="1"/>
+          <p:nvPr/>
+        </p:nvSpPr>
+        <p:spPr>
+          <a:xfrm>
+            <a:off x="1986742" y="5467989"/>
+            <a:ext cx="1637608" cy="369332"/>
+          </a:xfrm>
+          <a:prstGeom prst="rect">
+            <a:avLst/>
+          </a:prstGeom>
+          <a:noFill/>
+        </p:spPr>
+        <p:txBody>
+          <a:bodyPr wrap="square" rtlCol="0">
+            <a:spAutoFit/>
+          </a:bodyPr>
+          <a:lstStyle/>
+          <a:p>
+            <a:r>
+              <a:rPr lang="ko-KR" altLang="en-US" dirty="0" smtClean="0"/>
+              <a:t>메시지 입력</a:t>
+            </a:r>
+            <a:endParaRPr lang="ko-KR" altLang="en-US" dirty="0"/>
+          </a:p>
+        </p:txBody>
+      </p:sp>
+      <p:sp>
+        <p:nvSpPr>
+          <p:cNvPr id="40" name="사각형 설명선 39"/>
+          <p:cNvSpPr/>
+          <p:nvPr/>
+        </p:nvSpPr>
+        <p:spPr>
+          <a:xfrm>
+            <a:off x="2702674" y="2477191"/>
+            <a:ext cx="1960766" cy="631768"/>
+          </a:xfrm>
+          <a:prstGeom prst="wedgeRectCallout">
+            <a:avLst>
+              <a:gd name="adj1" fmla="val -51782"/>
+              <a:gd name="adj2" fmla="val 88816"/>
+            </a:avLst>
+          </a:prstGeom>
+          <a:solidFill>
+            <a:schemeClr val="bg1"/>
+          </a:solidFill>
+        </p:spPr>
+        <p:style>
+          <a:lnRef idx="2">
+            <a:schemeClr val="accent1">
+              <a:shade val="50000"/>
+            </a:schemeClr>
+          </a:lnRef>
+          <a:fillRef idx="1">
+            <a:schemeClr val="accent1"/>
+          </a:fillRef>
+          <a:effectRef idx="0">
+            <a:schemeClr val="accent1"/>
+          </a:effectRef>
+          <a:fontRef idx="minor">
+            <a:schemeClr val="lt1"/>
+          </a:fontRef>
+        </p:style>
+        <p:txBody>
+          <a:bodyPr rtlCol="0" anchor="ctr"/>
+          <a:lstStyle/>
+          <a:p>
+            <a:pPr algn="ctr"/>
+            <a:endParaRPr lang="ko-KR" altLang="en-US"/>
+          </a:p>
+        </p:txBody>
+      </p:sp>
+      <p:sp>
+        <p:nvSpPr>
+          <p:cNvPr id="42" name="타원 41"/>
+          <p:cNvSpPr/>
+          <p:nvPr/>
+        </p:nvSpPr>
+        <p:spPr>
+          <a:xfrm>
+            <a:off x="2204949" y="3441471"/>
+            <a:ext cx="497725" cy="465512"/>
+          </a:xfrm>
+          <a:prstGeom prst="ellipse">
+            <a:avLst/>
+          </a:prstGeom>
+          <a:solidFill>
+            <a:schemeClr val="bg1"/>
+          </a:solidFill>
+        </p:spPr>
+        <p:style>
+          <a:lnRef idx="2">
+            <a:schemeClr val="accent1">
+              <a:shade val="50000"/>
+            </a:schemeClr>
+          </a:lnRef>
+          <a:fillRef idx="1">
+            <a:schemeClr val="accent1"/>
+          </a:fillRef>
+          <a:effectRef idx="0">
+            <a:schemeClr val="accent1"/>
+          </a:effectRef>
+          <a:fontRef idx="minor">
+            <a:schemeClr val="lt1"/>
+          </a:fontRef>
+        </p:style>
+        <p:txBody>
+          <a:bodyPr rtlCol="0" anchor="ctr"/>
+          <a:lstStyle/>
+          <a:p>
+            <a:pPr algn="ctr"/>
+            <a:endParaRPr lang="ko-KR" altLang="en-US"/>
+          </a:p>
+        </p:txBody>
+      </p:sp>
+      <p:sp>
+        <p:nvSpPr>
+          <p:cNvPr id="43" name="모서리가 둥근 직사각형 42"/>
+          <p:cNvSpPr/>
+          <p:nvPr/>
+        </p:nvSpPr>
+        <p:spPr>
+          <a:xfrm>
+            <a:off x="5336770" y="4630188"/>
+            <a:ext cx="2086495" cy="523702"/>
+          </a:xfrm>
+          <a:prstGeom prst="roundRect">
+            <a:avLst/>
+          </a:prstGeom>
+          <a:solidFill>
+            <a:schemeClr val="bg1"/>
+          </a:solidFill>
+        </p:spPr>
+        <p:style>
+          <a:lnRef idx="2">
+            <a:schemeClr val="accent1">
+              <a:shade val="50000"/>
+            </a:schemeClr>
+          </a:lnRef>
+          <a:fillRef idx="1">
+            <a:schemeClr val="accent1"/>
+          </a:fillRef>
+          <a:effectRef idx="0">
+            <a:schemeClr val="accent1"/>
+          </a:effectRef>
+          <a:fontRef idx="minor">
+            <a:schemeClr val="lt1"/>
+          </a:fontRef>
+        </p:style>
+        <p:txBody>
+          <a:bodyPr rtlCol="0" anchor="ctr"/>
+          <a:lstStyle/>
+          <a:p>
+            <a:pPr algn="ctr"/>
+            <a:endParaRPr lang="ko-KR" altLang="en-US"/>
+          </a:p>
+        </p:txBody>
+      </p:sp>
+      <p:sp>
+        <p:nvSpPr>
+          <p:cNvPr id="44" name="모서리가 둥근 직사각형 43"/>
+          <p:cNvSpPr/>
+          <p:nvPr/>
+        </p:nvSpPr>
+        <p:spPr>
+          <a:xfrm>
+            <a:off x="7917353" y="1886990"/>
+            <a:ext cx="2252749" cy="4089862"/>
+          </a:xfrm>
+          <a:prstGeom prst="roundRect">
+            <a:avLst/>
+          </a:prstGeom>
+          <a:solidFill>
+            <a:schemeClr val="bg1"/>
+          </a:solidFill>
+        </p:spPr>
+        <p:style>
+          <a:lnRef idx="2">
+            <a:schemeClr val="accent1">
+              <a:shade val="50000"/>
+            </a:schemeClr>
+          </a:lnRef>
+          <a:fillRef idx="1">
+            <a:schemeClr val="accent1"/>
+          </a:fillRef>
+          <a:effectRef idx="0">
+            <a:schemeClr val="accent1"/>
+          </a:effectRef>
+          <a:fontRef idx="minor">
+            <a:schemeClr val="lt1"/>
+          </a:fontRef>
+        </p:style>
+        <p:txBody>
+          <a:bodyPr rtlCol="0" anchor="ctr"/>
+          <a:lstStyle/>
+          <a:p>
+            <a:pPr algn="ctr"/>
+            <a:endParaRPr lang="ko-KR" altLang="en-US"/>
+          </a:p>
+        </p:txBody>
+      </p:sp>
+      <p:sp>
+        <p:nvSpPr>
+          <p:cNvPr id="45" name="TextBox 44"/>
+          <p:cNvSpPr txBox="1"/>
+          <p:nvPr/>
+        </p:nvSpPr>
+        <p:spPr>
+          <a:xfrm>
+            <a:off x="8158942" y="2019993"/>
+            <a:ext cx="1629294" cy="369332"/>
+          </a:xfrm>
+          <a:prstGeom prst="rect">
+            <a:avLst/>
+          </a:prstGeom>
+          <a:noFill/>
+        </p:spPr>
+        <p:txBody>
+          <a:bodyPr wrap="square" rtlCol="0">
+            <a:spAutoFit/>
+          </a:bodyPr>
+          <a:lstStyle/>
+          <a:p>
+            <a:r>
+              <a:rPr lang="ko-KR" altLang="en-US" dirty="0" smtClean="0"/>
+              <a:t>참여자 목록</a:t>
+            </a:r>
+            <a:endParaRPr lang="ko-KR" altLang="en-US" dirty="0"/>
+          </a:p>
+        </p:txBody>
+      </p:sp>
+      <p:sp>
+        <p:nvSpPr>
+          <p:cNvPr id="46" name="타원 45"/>
+          <p:cNvSpPr/>
+          <p:nvPr/>
+        </p:nvSpPr>
+        <p:spPr>
+          <a:xfrm>
+            <a:off x="8158942" y="2618509"/>
+            <a:ext cx="403167" cy="399011"/>
+          </a:xfrm>
+          <a:prstGeom prst="ellipse">
+            <a:avLst/>
+          </a:prstGeom>
+          <a:solidFill>
+            <a:schemeClr val="bg1"/>
+          </a:solidFill>
+        </p:spPr>
+        <p:style>
+          <a:lnRef idx="2">
+            <a:schemeClr val="accent1">
+              <a:shade val="50000"/>
+            </a:schemeClr>
+          </a:lnRef>
+          <a:fillRef idx="1">
+            <a:schemeClr val="accent1"/>
+          </a:fillRef>
+          <a:effectRef idx="0">
+            <a:schemeClr val="accent1"/>
+          </a:effectRef>
+          <a:fontRef idx="minor">
+            <a:schemeClr val="lt1"/>
+          </a:fontRef>
+        </p:style>
+        <p:txBody>
+          <a:bodyPr rtlCol="0" anchor="ctr"/>
+          <a:lstStyle/>
+          <a:p>
+            <a:pPr algn="ctr"/>
+            <a:endParaRPr lang="ko-KR" altLang="en-US"/>
+          </a:p>
+        </p:txBody>
+      </p:sp>
+      <p:sp>
+        <p:nvSpPr>
+          <p:cNvPr id="49" name="타원 48"/>
+          <p:cNvSpPr/>
+          <p:nvPr/>
+        </p:nvSpPr>
+        <p:spPr>
+          <a:xfrm>
+            <a:off x="8158942" y="3108959"/>
+            <a:ext cx="403167" cy="399011"/>
+          </a:xfrm>
+          <a:prstGeom prst="ellipse">
+            <a:avLst/>
+          </a:prstGeom>
+          <a:solidFill>
+            <a:schemeClr val="bg1"/>
+          </a:solidFill>
+        </p:spPr>
+        <p:style>
+          <a:lnRef idx="2">
+            <a:schemeClr val="accent1">
+              <a:shade val="50000"/>
+            </a:schemeClr>
+          </a:lnRef>
+          <a:fillRef idx="1">
+            <a:schemeClr val="accent1"/>
+          </a:fillRef>
+          <a:effectRef idx="0">
+            <a:schemeClr val="accent1"/>
+          </a:effectRef>
+          <a:fontRef idx="minor">
+            <a:schemeClr val="lt1"/>
+          </a:fontRef>
+        </p:style>
+        <p:txBody>
+          <a:bodyPr rtlCol="0" anchor="ctr"/>
+          <a:lstStyle/>
+          <a:p>
+            <a:pPr algn="ctr"/>
+            <a:endParaRPr lang="ko-KR" altLang="en-US"/>
+          </a:p>
+        </p:txBody>
+      </p:sp>
+      <p:sp>
+        <p:nvSpPr>
+          <p:cNvPr id="50" name="타원 49"/>
+          <p:cNvSpPr/>
+          <p:nvPr/>
+        </p:nvSpPr>
+        <p:spPr>
+          <a:xfrm>
+            <a:off x="8158942" y="3599409"/>
+            <a:ext cx="403167" cy="399011"/>
+          </a:xfrm>
+          <a:prstGeom prst="ellipse">
+            <a:avLst/>
+          </a:prstGeom>
+          <a:solidFill>
+            <a:schemeClr val="bg1"/>
+          </a:solidFill>
+        </p:spPr>
+        <p:style>
+          <a:lnRef idx="2">
+            <a:schemeClr val="accent1">
+              <a:shade val="50000"/>
+            </a:schemeClr>
+          </a:lnRef>
+          <a:fillRef idx="1">
+            <a:schemeClr val="accent1"/>
+          </a:fillRef>
+          <a:effectRef idx="0">
+            <a:schemeClr val="accent1"/>
+          </a:effectRef>
+          <a:fontRef idx="minor">
+            <a:schemeClr val="lt1"/>
+          </a:fontRef>
+        </p:style>
+        <p:txBody>
+          <a:bodyPr rtlCol="0" anchor="ctr"/>
+          <a:lstStyle/>
+          <a:p>
+            <a:pPr algn="ctr"/>
+            <a:endParaRPr lang="ko-KR" altLang="en-US"/>
+          </a:p>
+        </p:txBody>
+      </p:sp>
+      <p:sp>
+        <p:nvSpPr>
+          <p:cNvPr id="51" name="타원 50"/>
+          <p:cNvSpPr/>
+          <p:nvPr/>
+        </p:nvSpPr>
+        <p:spPr>
+          <a:xfrm>
+            <a:off x="8158942" y="4089859"/>
+            <a:ext cx="403167" cy="399011"/>
+          </a:xfrm>
+          <a:prstGeom prst="ellipse">
+            <a:avLst/>
+          </a:prstGeom>
+          <a:solidFill>
+            <a:schemeClr val="bg1"/>
+          </a:solidFill>
+        </p:spPr>
+        <p:style>
+          <a:lnRef idx="2">
+            <a:schemeClr val="accent1">
+              <a:shade val="50000"/>
+            </a:schemeClr>
+          </a:lnRef>
+          <a:fillRef idx="1">
+            <a:schemeClr val="accent1"/>
+          </a:fillRef>
+          <a:effectRef idx="0">
+            <a:schemeClr val="accent1"/>
+          </a:effectRef>
+          <a:fontRef idx="minor">
+            <a:schemeClr val="lt1"/>
+          </a:fontRef>
+        </p:style>
+        <p:txBody>
+          <a:bodyPr rtlCol="0" anchor="ctr"/>
+          <a:lstStyle/>
+          <a:p>
+            <a:pPr algn="ctr"/>
+            <a:endParaRPr lang="ko-KR" altLang="en-US"/>
+          </a:p>
+        </p:txBody>
+      </p:sp>
+      <p:sp>
+        <p:nvSpPr>
+          <p:cNvPr id="52" name="타원 51"/>
+          <p:cNvSpPr/>
+          <p:nvPr/>
+        </p:nvSpPr>
+        <p:spPr>
+          <a:xfrm>
+            <a:off x="8158942" y="4578528"/>
+            <a:ext cx="403167" cy="399011"/>
+          </a:xfrm>
+          <a:prstGeom prst="ellipse">
+            <a:avLst/>
+          </a:prstGeom>
+          <a:solidFill>
+            <a:schemeClr val="bg1"/>
+          </a:solidFill>
+        </p:spPr>
+        <p:style>
+          <a:lnRef idx="2">
+            <a:schemeClr val="accent1">
+              <a:shade val="50000"/>
+            </a:schemeClr>
+          </a:lnRef>
+          <a:fillRef idx="1">
+            <a:schemeClr val="accent1"/>
+          </a:fillRef>
+          <a:effectRef idx="0">
+            <a:schemeClr val="accent1"/>
+          </a:effectRef>
+          <a:fontRef idx="minor">
+            <a:schemeClr val="lt1"/>
+          </a:fontRef>
+        </p:style>
+        <p:txBody>
+          <a:bodyPr rtlCol="0" anchor="ctr"/>
+          <a:lstStyle/>
+          <a:p>
+            <a:pPr algn="ctr"/>
+            <a:endParaRPr lang="ko-KR" altLang="en-US"/>
+          </a:p>
+        </p:txBody>
+      </p:sp>
+      <p:sp>
+        <p:nvSpPr>
+          <p:cNvPr id="53" name="타원 52"/>
+          <p:cNvSpPr/>
+          <p:nvPr/>
+        </p:nvSpPr>
+        <p:spPr>
+          <a:xfrm>
+            <a:off x="8158942" y="5068978"/>
+            <a:ext cx="403167" cy="399011"/>
+          </a:xfrm>
+          <a:prstGeom prst="ellipse">
+            <a:avLst/>
+          </a:prstGeom>
+          <a:solidFill>
+            <a:schemeClr val="bg1"/>
+          </a:solidFill>
+        </p:spPr>
+        <p:style>
+          <a:lnRef idx="2">
+            <a:schemeClr val="accent1">
+              <a:shade val="50000"/>
+            </a:schemeClr>
+          </a:lnRef>
+          <a:fillRef idx="1">
+            <a:schemeClr val="accent1"/>
+          </a:fillRef>
+          <a:effectRef idx="0">
+            <a:schemeClr val="accent1"/>
+          </a:effectRef>
+          <a:fontRef idx="minor">
+            <a:schemeClr val="lt1"/>
+          </a:fontRef>
+        </p:style>
+        <p:txBody>
+          <a:bodyPr rtlCol="0" anchor="ctr"/>
+          <a:lstStyle/>
+          <a:p>
+            <a:pPr algn="ctr"/>
             <a:endParaRPr lang="ko-KR" altLang="en-US"/>
           </a:p>
         </p:txBody>
@@ -12150,22 +13971,14 @@
             </a:r>
             <a:r>
               <a:rPr lang="ko-KR" altLang="en-US" dirty="0" smtClean="0"/>
-              <a:t> </a:t>
-            </a:r>
+              <a:t> 잡기</a:t>
+            </a:r>
+            <a:endParaRPr lang="en-US" altLang="ko-KR" dirty="0" smtClean="0"/>
+          </a:p>
+          <a:p>
             <a:r>
               <a:rPr lang="ko-KR" altLang="en-US" dirty="0" smtClean="0"/>
-              <a:t>잡기</a:t>
-            </a:r>
-            <a:endParaRPr lang="en-US" altLang="ko-KR" dirty="0" smtClean="0"/>
-          </a:p>
-          <a:p>
-            <a:r>
-              <a:rPr lang="ko-KR" altLang="en-US" dirty="0" smtClean="0"/>
-              <a:t>화면구성 </a:t>
-            </a:r>
-            <a:r>
-              <a:rPr lang="ko-KR" altLang="en-US" dirty="0" smtClean="0"/>
-              <a:t>이어서 하기</a:t>
+              <a:t>화면구성 이어서 하기</a:t>
             </a:r>
             <a:r>
               <a:rPr lang="en-US" altLang="ko-KR" dirty="0" smtClean="0"/>
@@ -12187,15 +14000,7 @@
             </a:r>
             <a:r>
               <a:rPr lang="ko-KR" altLang="en-US" dirty="0" smtClean="0"/>
-              <a:t> </a:t>
-            </a:r>
-            <a:r>
-              <a:rPr lang="ko-KR" altLang="en-US" dirty="0" smtClean="0"/>
-              <a:t>구상</a:t>
-            </a:r>
-            <a:r>
-              <a:rPr lang="ko-KR" altLang="en-US" dirty="0" smtClean="0"/>
-              <a:t>하고</a:t>
+              <a:t> 구상하고</a:t>
             </a:r>
             <a:r>
               <a:rPr lang="en-US" altLang="ko-KR" dirty="0" smtClean="0"/>
